--- a/Aario-PPT/20160905 IT - 微服务架构.pptx
+++ b/Aario-PPT/20160905 IT - 微服务架构.pptx
@@ -2999,7 +2999,14 @@
                 <a:latin typeface=".黑体-韩语" panose="02010601040101010101" pitchFamily="2" charset="-122"/>
                 <a:ea typeface=".黑体-韩语" panose="02010601040101010101" pitchFamily="2" charset="-122"/>
               </a:rPr>
-              <a:t>微服务架构</a:t>
+              <a:t>微</a:t>
+            </a:r>
+            <a:r>
+              <a:rPr lang="zh-CN" altLang="en-US" dirty="0" smtClean="0">
+                <a:latin typeface=".黑体-韩语" panose="02010601040101010101" pitchFamily="2" charset="-122"/>
+                <a:ea typeface=".黑体-韩语" panose="02010601040101010101" pitchFamily="2" charset="-122"/>
+              </a:rPr>
+              <a:t>服务架构</a:t>
             </a:r>
             <a:endParaRPr lang="zh-CN" altLang="en-US" dirty="0">
               <a:latin typeface=".黑体-韩语" panose="02010601040101010101" pitchFamily="2" charset="-122"/>
@@ -4456,7 +4463,7 @@
                 <a:ea typeface="Arial Unicode MS" panose="020B0604020202020204" pitchFamily="34" charset="-122"/>
                 <a:cs typeface="Arial Unicode MS" panose="020B0604020202020204" pitchFamily="34" charset="-122"/>
               </a:rPr>
-              <a:t>与人员组织结构一致，分组更方便</a:t>
+              <a:t>与人员组织结构一致，分组更方便，团队自治最大化</a:t>
             </a:r>
             <a:endParaRPr lang="en-US" altLang="zh-CN" dirty="0" smtClean="0">
               <a:latin typeface="Arial Unicode MS" panose="020B0604020202020204" pitchFamily="34" charset="-122"/>
